--- a/building-ai-applications/ready/04__Langchain.pptx
+++ b/building-ai-applications/ready/04__Langchain.pptx
@@ -5,42 +5,42 @@
     <p:sldMasterId id="2147483651" r:id="rId1"/>
   </p:sldMasterIdLst>
   <p:notesMasterIdLst>
-    <p:notesMasterId r:id="rId2"/>
+    <p:notesMasterId r:id="rId32"/>
   </p:notesMasterIdLst>
   <p:handoutMasterIdLst>
-    <p:handoutMasterId r:id="rId3"/>
+    <p:handoutMasterId r:id="rId33"/>
   </p:handoutMasterIdLst>
   <p:sldIdLst>
-    <p:sldId id="256" r:id="rId9"/>
-    <p:sldId id="257" r:id="rId10"/>
-    <p:sldId id="258" r:id="rId11"/>
-    <p:sldId id="259" r:id="rId12"/>
-    <p:sldId id="260" r:id="rId13"/>
-    <p:sldId id="261" r:id="rId14"/>
-    <p:sldId id="262" r:id="rId15"/>
-    <p:sldId id="263" r:id="rId16"/>
-    <p:sldId id="264" r:id="rId17"/>
-    <p:sldId id="265" r:id="rId18"/>
-    <p:sldId id="266" r:id="rId19"/>
-    <p:sldId id="267" r:id="rId20"/>
-    <p:sldId id="268" r:id="rId21"/>
-    <p:sldId id="269" r:id="rId22"/>
-    <p:sldId id="270" r:id="rId23"/>
-    <p:sldId id="271" r:id="rId24"/>
-    <p:sldId id="272" r:id="rId25"/>
-    <p:sldId id="273" r:id="rId26"/>
-    <p:sldId id="274" r:id="rId27"/>
-    <p:sldId id="275" r:id="rId28"/>
-    <p:sldId id="276" r:id="rId29"/>
-    <p:sldId id="277" r:id="rId30"/>
-    <p:sldId id="278" r:id="rId31"/>
-    <p:sldId id="279" r:id="rId32"/>
-    <p:sldId id="280" r:id="rId33"/>
-    <p:sldId id="281" r:id="rId34"/>
-    <p:sldId id="282" r:id="rId35"/>
-    <p:sldId id="283" r:id="rId36"/>
-    <p:sldId id="284" r:id="rId37"/>
-    <p:sldId id="285" r:id="rId38"/>
+    <p:sldId id="256" r:id="rId2"/>
+    <p:sldId id="257" r:id="rId3"/>
+    <p:sldId id="258" r:id="rId4"/>
+    <p:sldId id="259" r:id="rId5"/>
+    <p:sldId id="260" r:id="rId6"/>
+    <p:sldId id="261" r:id="rId7"/>
+    <p:sldId id="262" r:id="rId8"/>
+    <p:sldId id="263" r:id="rId9"/>
+    <p:sldId id="264" r:id="rId10"/>
+    <p:sldId id="265" r:id="rId11"/>
+    <p:sldId id="266" r:id="rId12"/>
+    <p:sldId id="267" r:id="rId13"/>
+    <p:sldId id="268" r:id="rId14"/>
+    <p:sldId id="269" r:id="rId15"/>
+    <p:sldId id="270" r:id="rId16"/>
+    <p:sldId id="271" r:id="rId17"/>
+    <p:sldId id="272" r:id="rId18"/>
+    <p:sldId id="273" r:id="rId19"/>
+    <p:sldId id="274" r:id="rId20"/>
+    <p:sldId id="275" r:id="rId21"/>
+    <p:sldId id="276" r:id="rId22"/>
+    <p:sldId id="277" r:id="rId23"/>
+    <p:sldId id="278" r:id="rId24"/>
+    <p:sldId id="279" r:id="rId25"/>
+    <p:sldId id="280" r:id="rId26"/>
+    <p:sldId id="281" r:id="rId27"/>
+    <p:sldId id="282" r:id="rId28"/>
+    <p:sldId id="283" r:id="rId29"/>
+    <p:sldId id="284" r:id="rId30"/>
+    <p:sldId id="285" r:id="rId31"/>
   </p:sldIdLst>
   <p:sldSz cx="9372600" cy="8297863"/>
   <p:notesSz cx="7315200" cy="9601200"/>
@@ -208,9 +208,7 @@
   <p:cmAuthor id="2" name="Mark Kerzner" initials="MK" lastIdx="6" clrIdx="1"/>
   <p:cmAuthor id="3" name="Mary Beth Conlee" initials="MBC" lastIdx="7" clrIdx="2"/>
   <p:cmAuthor id="4" name="Michelle" initials="M" lastIdx="5" clrIdx="3"/>
-  <p:cmAuthor id="5" name="Tricia Murphy" initials="TM" lastIdx="4" clrIdx="4">
-    <p:extLst/>
-  </p:cmAuthor>
+  <p:cmAuthor id="5" name="Tricia Murphy" initials="TM" lastIdx="4" clrIdx="4"/>
 </p:cmAuthorLst>
 </file>
 
@@ -2293,7 +2291,7 @@
 </file>
 
 <file path=ppt/slides/slide1.xml><?xml version="1.0" encoding="utf-8"?>
-<p:sld xmlns:a="http://schemas.openxmlformats.org/drawingml/2006/main" xmlns:p="http://schemas.openxmlformats.org/presentationml/2006/main" xmlns:r="http://schemas.openxmlformats.org/officeDocument/2006/relationships">
+<p:sld xmlns:a="http://schemas.openxmlformats.org/drawingml/2006/main" xmlns:r="http://schemas.openxmlformats.org/officeDocument/2006/relationships" xmlns:p="http://schemas.openxmlformats.org/presentationml/2006/main">
   <p:cSld>
     <p:spTree>
       <p:nvGrpSpPr>
@@ -2301,7 +2299,14 @@
         <p:cNvGrpSpPr/>
         <p:nvPr/>
       </p:nvGrpSpPr>
-      <p:grpSpPr/>
+      <p:grpSpPr>
+        <a:xfrm>
+          <a:off x="0" y="0"/>
+          <a:ext cx="0" cy="0"/>
+          <a:chOff x="0" y="0"/>
+          <a:chExt cx="0" cy="0"/>
+        </a:xfrm>
+      </p:grpSpPr>
       <p:sp>
         <p:nvSpPr>
           <p:cNvPr id="2" name="Subtitle 1"/>
@@ -2309,7 +2314,7 @@
             <a:spLocks noGrp="1"/>
           </p:cNvSpPr>
           <p:nvPr>
-            <p:ph type="subTitle" idx="1" sz="quarter"/>
+            <p:ph type="subTitle" sz="quarter" idx="1"/>
           </p:nvPr>
         </p:nvSpPr>
         <p:spPr/>
@@ -2374,9 +2379,6 @@
               </a:rPr>
               <a:t>Langchain</a:t>
             </a:r>
-            <a:endParaRPr sz="4200" b="1" i="0">
-              <a:latin typeface="Times New Roman"/>
-            </a:endParaRPr>
           </a:p>
         </p:txBody>
       </p:sp>
@@ -2422,7 +2424,7 @@
 </file>
 
 <file path=ppt/slides/slide10.xml><?xml version="1.0" encoding="utf-8"?>
-<p:sld xmlns:a="http://schemas.openxmlformats.org/drawingml/2006/main" xmlns:p="http://schemas.openxmlformats.org/presentationml/2006/main" xmlns:r="http://schemas.openxmlformats.org/officeDocument/2006/relationships">
+<p:sld xmlns:a="http://schemas.openxmlformats.org/drawingml/2006/main" xmlns:r="http://schemas.openxmlformats.org/officeDocument/2006/relationships" xmlns:p="http://schemas.openxmlformats.org/presentationml/2006/main">
   <p:cSld>
     <p:spTree>
       <p:nvGrpSpPr>
@@ -2430,7 +2432,14 @@
         <p:cNvGrpSpPr/>
         <p:nvPr/>
       </p:nvGrpSpPr>
-      <p:grpSpPr/>
+      <p:grpSpPr>
+        <a:xfrm>
+          <a:off x="0" y="0"/>
+          <a:ext cx="0" cy="0"/>
+          <a:chOff x="0" y="0"/>
+          <a:chExt cx="0" cy="0"/>
+        </a:xfrm>
+      </p:grpSpPr>
       <p:sp>
         <p:nvSpPr>
           <p:cNvPr id="2" name="Title 1"/>
@@ -2547,7 +2556,7 @@
 </file>
 
 <file path=ppt/slides/slide11.xml><?xml version="1.0" encoding="utf-8"?>
-<p:sld xmlns:a="http://schemas.openxmlformats.org/drawingml/2006/main" xmlns:p="http://schemas.openxmlformats.org/presentationml/2006/main" xmlns:r="http://schemas.openxmlformats.org/officeDocument/2006/relationships">
+<p:sld xmlns:a="http://schemas.openxmlformats.org/drawingml/2006/main" xmlns:r="http://schemas.openxmlformats.org/officeDocument/2006/relationships" xmlns:p="http://schemas.openxmlformats.org/presentationml/2006/main">
   <p:cSld>
     <p:spTree>
       <p:nvGrpSpPr>
@@ -2555,7 +2564,14 @@
         <p:cNvGrpSpPr/>
         <p:nvPr/>
       </p:nvGrpSpPr>
-      <p:grpSpPr/>
+      <p:grpSpPr>
+        <a:xfrm>
+          <a:off x="0" y="0"/>
+          <a:ext cx="0" cy="0"/>
+          <a:chOff x="0" y="0"/>
+          <a:chExt cx="0" cy="0"/>
+        </a:xfrm>
+      </p:grpSpPr>
       <p:sp>
         <p:nvSpPr>
           <p:cNvPr id="2" name="Title 1"/>
@@ -2593,22 +2609,34 @@
           <a:lstStyle/>
           <a:p>
             <a:r>
+              <a:rPr dirty="0"/>
               <a:t> Import required libraries:</a:t>
             </a:r>
-          </a:p>
-          <a:p/>
-          <a:p>
-            <a:r>
-              <a:rPr b="1"/>
+            <a:endParaRPr lang="en-US" dirty="0"/>
+          </a:p>
+          <a:p>
+            <a:endParaRPr lang="en-US" dirty="0"/>
+          </a:p>
+          <a:p>
+            <a:endParaRPr dirty="0"/>
+          </a:p>
+          <a:p>
+            <a:endParaRPr dirty="0"/>
+          </a:p>
+          <a:p>
+            <a:r>
+              <a:rPr b="1" dirty="0"/>
               <a:t> What this does</a:t>
             </a:r>
             <a:r>
+              <a:rPr dirty="0"/>
               <a:t> :</a:t>
             </a:r>
           </a:p>
           <a:p>
             <a:pPr lvl="1"/>
             <a:r>
+              <a:rPr dirty="0"/>
               <a:t> Sets up the tools needed to store and retrieve conversation history for creating coherent multi-turn interactions.</a:t>
             </a:r>
           </a:p>
@@ -2663,7 +2691,7 @@
         </p:blipFill>
         <p:spPr>
           <a:xfrm>
-            <a:off x="0" y="1353312"/>
+            <a:off x="0" y="1786731"/>
             <a:ext cx="8788400" cy="787400"/>
           </a:xfrm>
           <a:prstGeom prst="rect">
@@ -2680,7 +2708,7 @@
 </file>
 
 <file path=ppt/slides/slide12.xml><?xml version="1.0" encoding="utf-8"?>
-<p:sld xmlns:a="http://schemas.openxmlformats.org/drawingml/2006/main" xmlns:p="http://schemas.openxmlformats.org/presentationml/2006/main" xmlns:r="http://schemas.openxmlformats.org/officeDocument/2006/relationships">
+<p:sld xmlns:a="http://schemas.openxmlformats.org/drawingml/2006/main" xmlns:r="http://schemas.openxmlformats.org/officeDocument/2006/relationships" xmlns:p="http://schemas.openxmlformats.org/presentationml/2006/main">
   <p:cSld>
     <p:spTree>
       <p:nvGrpSpPr>
@@ -2688,7 +2716,14 @@
         <p:cNvGrpSpPr/>
         <p:nvPr/>
       </p:nvGrpSpPr>
-      <p:grpSpPr/>
+      <p:grpSpPr>
+        <a:xfrm>
+          <a:off x="0" y="0"/>
+          <a:ext cx="0" cy="0"/>
+          <a:chOff x="0" y="0"/>
+          <a:chExt cx="0" cy="0"/>
+        </a:xfrm>
+      </p:grpSpPr>
       <p:sp>
         <p:nvSpPr>
           <p:cNvPr id="2" name="Title 1"/>
@@ -2726,24 +2761,46 @@
           <a:lstStyle/>
           <a:p>
             <a:r>
+              <a:rPr dirty="0"/>
               <a:t> Example of a conversation buffer memory:</a:t>
             </a:r>
-          </a:p>
-          <a:p/>
-          <a:p/>
-          <a:p/>
-          <a:p>
-            <a:r>
-              <a:rPr b="1"/>
+            <a:endParaRPr lang="en-US" dirty="0"/>
+          </a:p>
+          <a:p>
+            <a:endParaRPr lang="en-US" dirty="0"/>
+          </a:p>
+          <a:p>
+            <a:endParaRPr lang="en-US" dirty="0"/>
+          </a:p>
+          <a:p>
+            <a:endParaRPr lang="en-US" dirty="0"/>
+          </a:p>
+          <a:p>
+            <a:endParaRPr dirty="0"/>
+          </a:p>
+          <a:p>
+            <a:endParaRPr dirty="0"/>
+          </a:p>
+          <a:p>
+            <a:endParaRPr dirty="0"/>
+          </a:p>
+          <a:p>
+            <a:endParaRPr dirty="0"/>
+          </a:p>
+          <a:p>
+            <a:r>
+              <a:rPr b="1" dirty="0"/>
               <a:t> What this does</a:t>
             </a:r>
             <a:r>
+              <a:rPr dirty="0"/>
               <a:t> :</a:t>
             </a:r>
           </a:p>
           <a:p>
             <a:pPr lvl="1"/>
             <a:r>
+              <a:rPr dirty="0"/>
               <a:t> Stores interactions to maintain context across a session, ensuring responses are contextual and relevant.</a:t>
             </a:r>
           </a:p>
@@ -2798,8 +2855,8 @@
         </p:blipFill>
         <p:spPr>
           <a:xfrm>
-            <a:off x="0" y="1353312"/>
-            <a:ext cx="8178800" cy="1854200"/>
+            <a:off x="-9526" y="1939131"/>
+            <a:ext cx="9187145" cy="2082800"/>
           </a:xfrm>
           <a:prstGeom prst="rect">
             <a:avLst/>
@@ -2815,7 +2872,7 @@
 </file>
 
 <file path=ppt/slides/slide13.xml><?xml version="1.0" encoding="utf-8"?>
-<p:sld xmlns:a="http://schemas.openxmlformats.org/drawingml/2006/main" xmlns:p="http://schemas.openxmlformats.org/presentationml/2006/main" xmlns:r="http://schemas.openxmlformats.org/officeDocument/2006/relationships">
+<p:sld xmlns:a="http://schemas.openxmlformats.org/drawingml/2006/main" xmlns:r="http://schemas.openxmlformats.org/officeDocument/2006/relationships" xmlns:p="http://schemas.openxmlformats.org/presentationml/2006/main">
   <p:cSld>
     <p:spTree>
       <p:nvGrpSpPr>
@@ -2823,7 +2880,14 @@
         <p:cNvGrpSpPr/>
         <p:nvPr/>
       </p:nvGrpSpPr>
-      <p:grpSpPr/>
+      <p:grpSpPr>
+        <a:xfrm>
+          <a:off x="0" y="0"/>
+          <a:ext cx="0" cy="0"/>
+          <a:chOff x="0" y="0"/>
+          <a:chExt cx="0" cy="0"/>
+        </a:xfrm>
+      </p:grpSpPr>
       <p:sp>
         <p:nvSpPr>
           <p:cNvPr id="2" name="Title 1"/>
@@ -2861,23 +2925,43 @@
           <a:lstStyle/>
           <a:p>
             <a:r>
+              <a:rPr dirty="0"/>
               <a:t> Combine memory with conversational agents:</a:t>
             </a:r>
-          </a:p>
-          <a:p/>
-          <a:p/>
-          <a:p>
-            <a:r>
-              <a:rPr b="1"/>
+            <a:endParaRPr lang="en-US" dirty="0"/>
+          </a:p>
+          <a:p>
+            <a:endParaRPr lang="en-US" dirty="0"/>
+          </a:p>
+          <a:p>
+            <a:endParaRPr lang="en-US" dirty="0"/>
+          </a:p>
+          <a:p>
+            <a:endParaRPr lang="en-US" dirty="0"/>
+          </a:p>
+          <a:p>
+            <a:endParaRPr dirty="0"/>
+          </a:p>
+          <a:p>
+            <a:endParaRPr dirty="0"/>
+          </a:p>
+          <a:p>
+            <a:endParaRPr dirty="0"/>
+          </a:p>
+          <a:p>
+            <a:r>
+              <a:rPr b="1" dirty="0"/>
               <a:t> Why this matters</a:t>
             </a:r>
             <a:r>
+              <a:rPr dirty="0"/>
               <a:t> :</a:t>
             </a:r>
           </a:p>
           <a:p>
             <a:pPr lvl="1"/>
             <a:r>
+              <a:rPr dirty="0"/>
               <a:t> Enhances user experience by maintaining a history of interactions, enabling more meaningful and personalized conversations.</a:t>
             </a:r>
           </a:p>
@@ -2932,8 +3016,8 @@
         </p:blipFill>
         <p:spPr>
           <a:xfrm>
-            <a:off x="0" y="1353312"/>
-            <a:ext cx="7416800" cy="1587500"/>
+            <a:off x="0" y="1862931"/>
+            <a:ext cx="8840826" cy="1892300"/>
           </a:xfrm>
           <a:prstGeom prst="rect">
             <a:avLst/>
@@ -2949,7 +3033,7 @@
 </file>
 
 <file path=ppt/slides/slide14.xml><?xml version="1.0" encoding="utf-8"?>
-<p:sld xmlns:a="http://schemas.openxmlformats.org/drawingml/2006/main" xmlns:p="http://schemas.openxmlformats.org/presentationml/2006/main" xmlns:r="http://schemas.openxmlformats.org/officeDocument/2006/relationships">
+<p:sld xmlns:a="http://schemas.openxmlformats.org/drawingml/2006/main" xmlns:r="http://schemas.openxmlformats.org/officeDocument/2006/relationships" xmlns:p="http://schemas.openxmlformats.org/presentationml/2006/main">
   <p:cSld>
     <p:spTree>
       <p:nvGrpSpPr>
@@ -2957,7 +3041,14 @@
         <p:cNvGrpSpPr/>
         <p:nvPr/>
       </p:nvGrpSpPr>
-      <p:grpSpPr/>
+      <p:grpSpPr>
+        <a:xfrm>
+          <a:off x="0" y="0"/>
+          <a:ext cx="0" cy="0"/>
+          <a:chOff x="0" y="0"/>
+          <a:chExt cx="0" cy="0"/>
+        </a:xfrm>
+      </p:grpSpPr>
       <p:sp>
         <p:nvSpPr>
           <p:cNvPr id="2" name="Title 1"/>
@@ -3075,7 +3166,7 @@
 </file>
 
 <file path=ppt/slides/slide15.xml><?xml version="1.0" encoding="utf-8"?>
-<p:sld xmlns:a="http://schemas.openxmlformats.org/drawingml/2006/main" xmlns:p="http://schemas.openxmlformats.org/presentationml/2006/main" xmlns:r="http://schemas.openxmlformats.org/officeDocument/2006/relationships">
+<p:sld xmlns:a="http://schemas.openxmlformats.org/drawingml/2006/main" xmlns:r="http://schemas.openxmlformats.org/officeDocument/2006/relationships" xmlns:p="http://schemas.openxmlformats.org/presentationml/2006/main">
   <p:cSld>
     <p:spTree>
       <p:nvGrpSpPr>
@@ -3083,7 +3174,14 @@
         <p:cNvGrpSpPr/>
         <p:nvPr/>
       </p:nvGrpSpPr>
-      <p:grpSpPr/>
+      <p:grpSpPr>
+        <a:xfrm>
+          <a:off x="0" y="0"/>
+          <a:ext cx="0" cy="0"/>
+          <a:chOff x="0" y="0"/>
+          <a:chExt cx="0" cy="0"/>
+        </a:xfrm>
+      </p:grpSpPr>
       <p:sp>
         <p:nvSpPr>
           <p:cNvPr id="2" name="Subtitle 1"/>
@@ -3091,7 +3189,7 @@
             <a:spLocks noGrp="1"/>
           </p:cNvSpPr>
           <p:nvPr>
-            <p:ph type="subTitle" idx="1" sz="quarter"/>
+            <p:ph type="subTitle" sz="quarter" idx="1"/>
           </p:nvPr>
         </p:nvSpPr>
         <p:spPr/>
@@ -3104,10 +3202,7 @@
             </a:pPr>
             <a:r>
               <a:t>Model, Prompts, and Parsers
-</a:t>
-            </a:r>
-            <a:r>
-              <a:t>Memory
+Memory
 </a:t>
             </a:r>
             <a:r>
@@ -3117,14 +3212,8 @@
             </a:r>
             <a:r>
               <a:t>QnA
-</a:t>
-            </a:r>
-            <a:r>
-              <a:t>Evaluation
-</a:t>
-            </a:r>
-            <a:r>
-              <a:t>Functional Conversations
+Evaluation
+Functional Conversations
 </a:t>
             </a:r>
           </a:p>
@@ -3153,9 +3242,6 @@
               </a:rPr>
               <a:t>Chain</a:t>
             </a:r>
-            <a:endParaRPr sz="4200" b="1" i="0">
-              <a:latin typeface="Times New Roman"/>
-            </a:endParaRPr>
           </a:p>
         </p:txBody>
       </p:sp>
@@ -3201,7 +3287,7 @@
 </file>
 
 <file path=ppt/slides/slide16.xml><?xml version="1.0" encoding="utf-8"?>
-<p:sld xmlns:a="http://schemas.openxmlformats.org/drawingml/2006/main" xmlns:p="http://schemas.openxmlformats.org/presentationml/2006/main" xmlns:r="http://schemas.openxmlformats.org/officeDocument/2006/relationships">
+<p:sld xmlns:a="http://schemas.openxmlformats.org/drawingml/2006/main" xmlns:r="http://schemas.openxmlformats.org/officeDocument/2006/relationships" xmlns:p="http://schemas.openxmlformats.org/presentationml/2006/main">
   <p:cSld>
     <p:spTree>
       <p:nvGrpSpPr>
@@ -3209,7 +3295,14 @@
         <p:cNvGrpSpPr/>
         <p:nvPr/>
       </p:nvGrpSpPr>
-      <p:grpSpPr/>
+      <p:grpSpPr>
+        <a:xfrm>
+          <a:off x="0" y="0"/>
+          <a:ext cx="0" cy="0"/>
+          <a:chOff x="0" y="0"/>
+          <a:chExt cx="0" cy="0"/>
+        </a:xfrm>
+      </p:grpSpPr>
       <p:sp>
         <p:nvSpPr>
           <p:cNvPr id="2" name="Title 1"/>
@@ -3326,7 +3419,7 @@
 </file>
 
 <file path=ppt/slides/slide17.xml><?xml version="1.0" encoding="utf-8"?>
-<p:sld xmlns:a="http://schemas.openxmlformats.org/drawingml/2006/main" xmlns:p="http://schemas.openxmlformats.org/presentationml/2006/main" xmlns:r="http://schemas.openxmlformats.org/officeDocument/2006/relationships">
+<p:sld xmlns:a="http://schemas.openxmlformats.org/drawingml/2006/main" xmlns:r="http://schemas.openxmlformats.org/officeDocument/2006/relationships" xmlns:p="http://schemas.openxmlformats.org/presentationml/2006/main">
   <p:cSld>
     <p:spTree>
       <p:nvGrpSpPr>
@@ -3334,7 +3427,14 @@
         <p:cNvGrpSpPr/>
         <p:nvPr/>
       </p:nvGrpSpPr>
-      <p:grpSpPr/>
+      <p:grpSpPr>
+        <a:xfrm>
+          <a:off x="0" y="0"/>
+          <a:ext cx="0" cy="0"/>
+          <a:chOff x="0" y="0"/>
+          <a:chExt cx="0" cy="0"/>
+        </a:xfrm>
+      </p:grpSpPr>
       <p:sp>
         <p:nvSpPr>
           <p:cNvPr id="2" name="Title 1"/>
@@ -3372,25 +3472,52 @@
           <a:lstStyle/>
           <a:p>
             <a:r>
+              <a:rPr dirty="0"/>
               <a:t> Example of a simple chain:</a:t>
             </a:r>
-          </a:p>
-          <a:p/>
-          <a:p/>
-          <a:p/>
-          <a:p/>
-          <a:p>
-            <a:r>
-              <a:rPr b="1"/>
+            <a:endParaRPr lang="en-US" dirty="0"/>
+          </a:p>
+          <a:p>
+            <a:endParaRPr lang="en-US" dirty="0"/>
+          </a:p>
+          <a:p>
+            <a:endParaRPr lang="en-US" dirty="0"/>
+          </a:p>
+          <a:p>
+            <a:endParaRPr lang="en-US" dirty="0"/>
+          </a:p>
+          <a:p>
+            <a:endParaRPr lang="en-US" dirty="0"/>
+          </a:p>
+          <a:p>
+            <a:endParaRPr dirty="0"/>
+          </a:p>
+          <a:p>
+            <a:endParaRPr dirty="0"/>
+          </a:p>
+          <a:p>
+            <a:endParaRPr dirty="0"/>
+          </a:p>
+          <a:p>
+            <a:endParaRPr dirty="0"/>
+          </a:p>
+          <a:p>
+            <a:endParaRPr dirty="0"/>
+          </a:p>
+          <a:p>
+            <a:r>
+              <a:rPr b="1" dirty="0"/>
               <a:t> What this does</a:t>
             </a:r>
             <a:r>
+              <a:rPr dirty="0"/>
               <a:t> :</a:t>
             </a:r>
           </a:p>
           <a:p>
             <a:pPr lvl="1"/>
             <a:r>
+              <a:rPr dirty="0"/>
               <a:t> Combines multiple functions into a single pipeline, making workflows modular and easier to manage.</a:t>
             </a:r>
           </a:p>
@@ -3445,7 +3572,7 @@
         </p:blipFill>
         <p:spPr>
           <a:xfrm>
-            <a:off x="0" y="1353312"/>
+            <a:off x="0" y="2091531"/>
             <a:ext cx="6959600" cy="2654300"/>
           </a:xfrm>
           <a:prstGeom prst="rect">
@@ -3462,7 +3589,7 @@
 </file>
 
 <file path=ppt/slides/slide18.xml><?xml version="1.0" encoding="utf-8"?>
-<p:sld xmlns:a="http://schemas.openxmlformats.org/drawingml/2006/main" xmlns:p="http://schemas.openxmlformats.org/presentationml/2006/main" xmlns:r="http://schemas.openxmlformats.org/officeDocument/2006/relationships">
+<p:sld xmlns:a="http://schemas.openxmlformats.org/drawingml/2006/main" xmlns:r="http://schemas.openxmlformats.org/officeDocument/2006/relationships" xmlns:p="http://schemas.openxmlformats.org/presentationml/2006/main">
   <p:cSld>
     <p:spTree>
       <p:nvGrpSpPr>
@@ -3470,7 +3597,14 @@
         <p:cNvGrpSpPr/>
         <p:nvPr/>
       </p:nvGrpSpPr>
-      <p:grpSpPr/>
+      <p:grpSpPr>
+        <a:xfrm>
+          <a:off x="0" y="0"/>
+          <a:ext cx="0" cy="0"/>
+          <a:chOff x="0" y="0"/>
+          <a:chExt cx="0" cy="0"/>
+        </a:xfrm>
+      </p:grpSpPr>
       <p:sp>
         <p:nvSpPr>
           <p:cNvPr id="2" name="Title 1"/>
@@ -3581,7 +3715,7 @@
 </file>
 
 <file path=ppt/slides/slide19.xml><?xml version="1.0" encoding="utf-8"?>
-<p:sld xmlns:a="http://schemas.openxmlformats.org/drawingml/2006/main" xmlns:p="http://schemas.openxmlformats.org/presentationml/2006/main" xmlns:r="http://schemas.openxmlformats.org/officeDocument/2006/relationships">
+<p:sld xmlns:a="http://schemas.openxmlformats.org/drawingml/2006/main" xmlns:r="http://schemas.openxmlformats.org/officeDocument/2006/relationships" xmlns:p="http://schemas.openxmlformats.org/presentationml/2006/main">
   <p:cSld>
     <p:spTree>
       <p:nvGrpSpPr>
@@ -3589,7 +3723,14 @@
         <p:cNvGrpSpPr/>
         <p:nvPr/>
       </p:nvGrpSpPr>
-      <p:grpSpPr/>
+      <p:grpSpPr>
+        <a:xfrm>
+          <a:off x="0" y="0"/>
+          <a:ext cx="0" cy="0"/>
+          <a:chOff x="0" y="0"/>
+          <a:chExt cx="0" cy="0"/>
+        </a:xfrm>
+      </p:grpSpPr>
       <p:sp>
         <p:nvSpPr>
           <p:cNvPr id="2" name="Subtitle 1"/>
@@ -3597,7 +3738,7 @@
             <a:spLocks noGrp="1"/>
           </p:cNvSpPr>
           <p:nvPr>
-            <p:ph type="subTitle" idx="1" sz="quarter"/>
+            <p:ph type="subTitle" sz="quarter" idx="1"/>
           </p:nvPr>
         </p:nvSpPr>
         <p:spPr/>
@@ -3610,14 +3751,8 @@
             </a:pPr>
             <a:r>
               <a:t>Model, Prompts, and Parsers
-</a:t>
-            </a:r>
-            <a:r>
-              <a:t>Memory
-</a:t>
-            </a:r>
-            <a:r>
-              <a:t>Chain
+Memory
+Chain
 </a:t>
             </a:r>
             <a:r>
@@ -3627,10 +3762,7 @@
             </a:r>
             <a:r>
               <a:t>Evaluation
-</a:t>
-            </a:r>
-            <a:r>
-              <a:t>Functional Conversations
+Functional Conversations
 </a:t>
             </a:r>
           </a:p>
@@ -3659,9 +3791,6 @@
               </a:rPr>
               <a:t>QnA</a:t>
             </a:r>
-            <a:endParaRPr sz="4200" b="1" i="0">
-              <a:latin typeface="Times New Roman"/>
-            </a:endParaRPr>
           </a:p>
         </p:txBody>
       </p:sp>
@@ -3707,7 +3836,7 @@
 </file>
 
 <file path=ppt/slides/slide2.xml><?xml version="1.0" encoding="utf-8"?>
-<p:sld xmlns:a="http://schemas.openxmlformats.org/drawingml/2006/main" xmlns:p="http://schemas.openxmlformats.org/presentationml/2006/main" xmlns:r="http://schemas.openxmlformats.org/officeDocument/2006/relationships">
+<p:sld xmlns:a="http://schemas.openxmlformats.org/drawingml/2006/main" xmlns:r="http://schemas.openxmlformats.org/officeDocument/2006/relationships" xmlns:p="http://schemas.openxmlformats.org/presentationml/2006/main">
   <p:cSld>
     <p:spTree>
       <p:nvGrpSpPr>
@@ -3715,7 +3844,14 @@
         <p:cNvGrpSpPr/>
         <p:nvPr/>
       </p:nvGrpSpPr>
-      <p:grpSpPr/>
+      <p:grpSpPr>
+        <a:xfrm>
+          <a:off x="0" y="0"/>
+          <a:ext cx="0" cy="0"/>
+          <a:chOff x="0" y="0"/>
+          <a:chExt cx="0" cy="0"/>
+        </a:xfrm>
+      </p:grpSpPr>
       <p:sp>
         <p:nvSpPr>
           <p:cNvPr id="2" name="Subtitle 1"/>
@@ -3723,7 +3859,7 @@
             <a:spLocks noGrp="1"/>
           </p:cNvSpPr>
           <p:nvPr>
-            <p:ph type="subTitle" idx="1" sz="quarter"/>
+            <p:ph type="subTitle" sz="quarter" idx="1"/>
           </p:nvPr>
         </p:nvSpPr>
         <p:spPr/>
@@ -3741,22 +3877,10 @@
             </a:r>
             <a:r>
               <a:t>Memory
-</a:t>
-            </a:r>
-            <a:r>
-              <a:t>Chain
-</a:t>
-            </a:r>
-            <a:r>
-              <a:t>QnA
-</a:t>
-            </a:r>
-            <a:r>
-              <a:t>Evaluation
-</a:t>
-            </a:r>
-            <a:r>
-              <a:t>Functional Conversations
+Chain
+QnA
+Evaluation
+Functional Conversations
 </a:t>
             </a:r>
           </a:p>
@@ -3785,9 +3909,6 @@
               </a:rPr>
               <a:t>Model, Prompts, and Parsers</a:t>
             </a:r>
-            <a:endParaRPr sz="4200" b="1" i="0">
-              <a:latin typeface="Times New Roman"/>
-            </a:endParaRPr>
           </a:p>
         </p:txBody>
       </p:sp>
@@ -3833,7 +3954,7 @@
 </file>
 
 <file path=ppt/slides/slide20.xml><?xml version="1.0" encoding="utf-8"?>
-<p:sld xmlns:a="http://schemas.openxmlformats.org/drawingml/2006/main" xmlns:p="http://schemas.openxmlformats.org/presentationml/2006/main" xmlns:r="http://schemas.openxmlformats.org/officeDocument/2006/relationships">
+<p:sld xmlns:a="http://schemas.openxmlformats.org/drawingml/2006/main" xmlns:r="http://schemas.openxmlformats.org/officeDocument/2006/relationships" xmlns:p="http://schemas.openxmlformats.org/presentationml/2006/main">
   <p:cSld>
     <p:spTree>
       <p:nvGrpSpPr>
@@ -3841,7 +3962,14 @@
         <p:cNvGrpSpPr/>
         <p:nvPr/>
       </p:nvGrpSpPr>
-      <p:grpSpPr/>
+      <p:grpSpPr>
+        <a:xfrm>
+          <a:off x="0" y="0"/>
+          <a:ext cx="0" cy="0"/>
+          <a:chOff x="0" y="0"/>
+          <a:chExt cx="0" cy="0"/>
+        </a:xfrm>
+      </p:grpSpPr>
       <p:sp>
         <p:nvSpPr>
           <p:cNvPr id="2" name="Title 1"/>
@@ -3958,7 +4086,7 @@
 </file>
 
 <file path=ppt/slides/slide21.xml><?xml version="1.0" encoding="utf-8"?>
-<p:sld xmlns:a="http://schemas.openxmlformats.org/drawingml/2006/main" xmlns:p="http://schemas.openxmlformats.org/presentationml/2006/main" xmlns:r="http://schemas.openxmlformats.org/officeDocument/2006/relationships">
+<p:sld xmlns:a="http://schemas.openxmlformats.org/drawingml/2006/main" xmlns:r="http://schemas.openxmlformats.org/officeDocument/2006/relationships" xmlns:p="http://schemas.openxmlformats.org/presentationml/2006/main">
   <p:cSld>
     <p:spTree>
       <p:nvGrpSpPr>
@@ -3966,7 +4094,14 @@
         <p:cNvGrpSpPr/>
         <p:nvPr/>
       </p:nvGrpSpPr>
-      <p:grpSpPr/>
+      <p:grpSpPr>
+        <a:xfrm>
+          <a:off x="0" y="0"/>
+          <a:ext cx="0" cy="0"/>
+          <a:chOff x="0" y="0"/>
+          <a:chExt cx="0" cy="0"/>
+        </a:xfrm>
+      </p:grpSpPr>
       <p:sp>
         <p:nvSpPr>
           <p:cNvPr id="2" name="Title 1"/>
@@ -4004,24 +4139,49 @@
           <a:lstStyle/>
           <a:p>
             <a:r>
+              <a:rPr dirty="0"/>
               <a:t> Example:</a:t>
             </a:r>
-          </a:p>
-          <a:p/>
-          <a:p/>
-          <a:p/>
-          <a:p>
-            <a:r>
-              <a:rPr b="1"/>
+            <a:endParaRPr lang="en-US" dirty="0"/>
+          </a:p>
+          <a:p>
+            <a:endParaRPr lang="en-US" dirty="0"/>
+          </a:p>
+          <a:p>
+            <a:endParaRPr lang="en-US" dirty="0"/>
+          </a:p>
+          <a:p>
+            <a:endParaRPr lang="en-US" dirty="0"/>
+          </a:p>
+          <a:p>
+            <a:endParaRPr lang="en-US" dirty="0"/>
+          </a:p>
+          <a:p>
+            <a:endParaRPr dirty="0"/>
+          </a:p>
+          <a:p>
+            <a:endParaRPr dirty="0"/>
+          </a:p>
+          <a:p>
+            <a:endParaRPr dirty="0"/>
+          </a:p>
+          <a:p>
+            <a:endParaRPr dirty="0"/>
+          </a:p>
+          <a:p>
+            <a:r>
+              <a:rPr b="1" dirty="0"/>
               <a:t> What this does</a:t>
             </a:r>
             <a:r>
+              <a:rPr dirty="0"/>
               <a:t> :</a:t>
             </a:r>
           </a:p>
           <a:p>
             <a:pPr lvl="1"/>
             <a:r>
+              <a:rPr dirty="0"/>
               <a:t> Simplifies the process of retrieving precise answers to user queries by leveraging well-constructed prompts.</a:t>
             </a:r>
           </a:p>
@@ -4076,8 +4236,8 @@
         </p:blipFill>
         <p:spPr>
           <a:xfrm>
-            <a:off x="0" y="1353312"/>
-            <a:ext cx="9550400" cy="2120900"/>
+            <a:off x="0" y="2327785"/>
+            <a:ext cx="9372600" cy="2081415"/>
           </a:xfrm>
           <a:prstGeom prst="rect">
             <a:avLst/>
@@ -4093,7 +4253,7 @@
 </file>
 
 <file path=ppt/slides/slide22.xml><?xml version="1.0" encoding="utf-8"?>
-<p:sld xmlns:a="http://schemas.openxmlformats.org/drawingml/2006/main" xmlns:p="http://schemas.openxmlformats.org/presentationml/2006/main" xmlns:r="http://schemas.openxmlformats.org/officeDocument/2006/relationships">
+<p:sld xmlns:a="http://schemas.openxmlformats.org/drawingml/2006/main" xmlns:r="http://schemas.openxmlformats.org/officeDocument/2006/relationships" xmlns:p="http://schemas.openxmlformats.org/presentationml/2006/main">
   <p:cSld>
     <p:spTree>
       <p:nvGrpSpPr>
@@ -4101,7 +4261,14 @@
         <p:cNvGrpSpPr/>
         <p:nvPr/>
       </p:nvGrpSpPr>
-      <p:grpSpPr/>
+      <p:grpSpPr>
+        <a:xfrm>
+          <a:off x="0" y="0"/>
+          <a:ext cx="0" cy="0"/>
+          <a:chOff x="0" y="0"/>
+          <a:chExt cx="0" cy="0"/>
+        </a:xfrm>
+      </p:grpSpPr>
       <p:sp>
         <p:nvSpPr>
           <p:cNvPr id="2" name="Title 1"/>
@@ -4206,7 +4373,7 @@
 </file>
 
 <file path=ppt/slides/slide23.xml><?xml version="1.0" encoding="utf-8"?>
-<p:sld xmlns:a="http://schemas.openxmlformats.org/drawingml/2006/main" xmlns:p="http://schemas.openxmlformats.org/presentationml/2006/main" xmlns:r="http://schemas.openxmlformats.org/officeDocument/2006/relationships">
+<p:sld xmlns:a="http://schemas.openxmlformats.org/drawingml/2006/main" xmlns:r="http://schemas.openxmlformats.org/officeDocument/2006/relationships" xmlns:p="http://schemas.openxmlformats.org/presentationml/2006/main">
   <p:cSld>
     <p:spTree>
       <p:nvGrpSpPr>
@@ -4214,7 +4381,14 @@
         <p:cNvGrpSpPr/>
         <p:nvPr/>
       </p:nvGrpSpPr>
-      <p:grpSpPr/>
+      <p:grpSpPr>
+        <a:xfrm>
+          <a:off x="0" y="0"/>
+          <a:ext cx="0" cy="0"/>
+          <a:chOff x="0" y="0"/>
+          <a:chExt cx="0" cy="0"/>
+        </a:xfrm>
+      </p:grpSpPr>
       <p:sp>
         <p:nvSpPr>
           <p:cNvPr id="2" name="Subtitle 1"/>
@@ -4222,7 +4396,7 @@
             <a:spLocks noGrp="1"/>
           </p:cNvSpPr>
           <p:nvPr>
-            <p:ph type="subTitle" idx="1" sz="quarter"/>
+            <p:ph type="subTitle" sz="quarter" idx="1"/>
           </p:nvPr>
         </p:nvSpPr>
         <p:spPr/>
@@ -4235,18 +4409,9 @@
             </a:pPr>
             <a:r>
               <a:t>Model, Prompts, and Parsers
-</a:t>
-            </a:r>
-            <a:r>
-              <a:t>Memory
-</a:t>
-            </a:r>
-            <a:r>
-              <a:t>Chain
-</a:t>
-            </a:r>
-            <a:r>
-              <a:t>QnA
+Memory
+Chain
+QnA
 </a:t>
             </a:r>
             <a:r>
@@ -4284,9 +4449,6 @@
               </a:rPr>
               <a:t>Evaluation</a:t>
             </a:r>
-            <a:endParaRPr sz="4200" b="1" i="0">
-              <a:latin typeface="Times New Roman"/>
-            </a:endParaRPr>
           </a:p>
         </p:txBody>
       </p:sp>
@@ -4332,7 +4494,7 @@
 </file>
 
 <file path=ppt/slides/slide24.xml><?xml version="1.0" encoding="utf-8"?>
-<p:sld xmlns:a="http://schemas.openxmlformats.org/drawingml/2006/main" xmlns:p="http://schemas.openxmlformats.org/presentationml/2006/main" xmlns:r="http://schemas.openxmlformats.org/officeDocument/2006/relationships">
+<p:sld xmlns:a="http://schemas.openxmlformats.org/drawingml/2006/main" xmlns:r="http://schemas.openxmlformats.org/officeDocument/2006/relationships" xmlns:p="http://schemas.openxmlformats.org/presentationml/2006/main">
   <p:cSld>
     <p:spTree>
       <p:nvGrpSpPr>
@@ -4340,7 +4502,14 @@
         <p:cNvGrpSpPr/>
         <p:nvPr/>
       </p:nvGrpSpPr>
-      <p:grpSpPr/>
+      <p:grpSpPr>
+        <a:xfrm>
+          <a:off x="0" y="0"/>
+          <a:ext cx="0" cy="0"/>
+          <a:chOff x="0" y="0"/>
+          <a:chExt cx="0" cy="0"/>
+        </a:xfrm>
+      </p:grpSpPr>
       <p:sp>
         <p:nvSpPr>
           <p:cNvPr id="2" name="Title 1"/>
@@ -4442,7 +4611,7 @@
 </file>
 
 <file path=ppt/slides/slide25.xml><?xml version="1.0" encoding="utf-8"?>
-<p:sld xmlns:a="http://schemas.openxmlformats.org/drawingml/2006/main" xmlns:p="http://schemas.openxmlformats.org/presentationml/2006/main" xmlns:r="http://schemas.openxmlformats.org/officeDocument/2006/relationships">
+<p:sld xmlns:a="http://schemas.openxmlformats.org/drawingml/2006/main" xmlns:r="http://schemas.openxmlformats.org/officeDocument/2006/relationships" xmlns:p="http://schemas.openxmlformats.org/presentationml/2006/main">
   <p:cSld>
     <p:spTree>
       <p:nvGrpSpPr>
@@ -4450,7 +4619,14 @@
         <p:cNvGrpSpPr/>
         <p:nvPr/>
       </p:nvGrpSpPr>
-      <p:grpSpPr/>
+      <p:grpSpPr>
+        <a:xfrm>
+          <a:off x="0" y="0"/>
+          <a:ext cx="0" cy="0"/>
+          <a:chOff x="0" y="0"/>
+          <a:chExt cx="0" cy="0"/>
+        </a:xfrm>
+      </p:grpSpPr>
       <p:sp>
         <p:nvSpPr>
           <p:cNvPr id="2" name="Title 1"/>
@@ -4488,23 +4664,43 @@
           <a:lstStyle/>
           <a:p>
             <a:r>
+              <a:rPr dirty="0"/>
               <a:t> Example of evaluating outputs:</a:t>
             </a:r>
-          </a:p>
-          <a:p/>
-          <a:p/>
-          <a:p>
-            <a:r>
-              <a:rPr b="1"/>
+            <a:endParaRPr lang="en-US" dirty="0"/>
+          </a:p>
+          <a:p>
+            <a:endParaRPr lang="en-US" dirty="0"/>
+          </a:p>
+          <a:p>
+            <a:endParaRPr lang="en-US" dirty="0"/>
+          </a:p>
+          <a:p>
+            <a:endParaRPr lang="en-US" dirty="0"/>
+          </a:p>
+          <a:p>
+            <a:endParaRPr dirty="0"/>
+          </a:p>
+          <a:p>
+            <a:endParaRPr dirty="0"/>
+          </a:p>
+          <a:p>
+            <a:endParaRPr dirty="0"/>
+          </a:p>
+          <a:p>
+            <a:r>
+              <a:rPr b="1" dirty="0"/>
               <a:t> Why this is important</a:t>
             </a:r>
             <a:r>
+              <a:rPr dirty="0"/>
               <a:t> :</a:t>
             </a:r>
           </a:p>
           <a:p>
             <a:pPr lvl="1"/>
             <a:r>
+              <a:rPr dirty="0"/>
               <a:t> Evaluation ensures that workflows meet quality standards and function correctly.</a:t>
             </a:r>
           </a:p>
@@ -4559,7 +4755,7 @@
         </p:blipFill>
         <p:spPr>
           <a:xfrm>
-            <a:off x="0" y="1353312"/>
+            <a:off x="0" y="1862931"/>
             <a:ext cx="6807200" cy="1320800"/>
           </a:xfrm>
           <a:prstGeom prst="rect">
@@ -4576,7 +4772,7 @@
 </file>
 
 <file path=ppt/slides/slide26.xml><?xml version="1.0" encoding="utf-8"?>
-<p:sld xmlns:a="http://schemas.openxmlformats.org/drawingml/2006/main" xmlns:p="http://schemas.openxmlformats.org/presentationml/2006/main" xmlns:r="http://schemas.openxmlformats.org/officeDocument/2006/relationships">
+<p:sld xmlns:a="http://schemas.openxmlformats.org/drawingml/2006/main" xmlns:r="http://schemas.openxmlformats.org/officeDocument/2006/relationships" xmlns:p="http://schemas.openxmlformats.org/presentationml/2006/main">
   <p:cSld>
     <p:spTree>
       <p:nvGrpSpPr>
@@ -4584,7 +4780,14 @@
         <p:cNvGrpSpPr/>
         <p:nvPr/>
       </p:nvGrpSpPr>
-      <p:grpSpPr/>
+      <p:grpSpPr>
+        <a:xfrm>
+          <a:off x="0" y="0"/>
+          <a:ext cx="0" cy="0"/>
+          <a:chOff x="0" y="0"/>
+          <a:chExt cx="0" cy="0"/>
+        </a:xfrm>
+      </p:grpSpPr>
       <p:sp>
         <p:nvSpPr>
           <p:cNvPr id="2" name="Title 1"/>
@@ -4695,7 +4898,7 @@
 </file>
 
 <file path=ppt/slides/slide27.xml><?xml version="1.0" encoding="utf-8"?>
-<p:sld xmlns:a="http://schemas.openxmlformats.org/drawingml/2006/main" xmlns:p="http://schemas.openxmlformats.org/presentationml/2006/main" xmlns:r="http://schemas.openxmlformats.org/officeDocument/2006/relationships">
+<p:sld xmlns:a="http://schemas.openxmlformats.org/drawingml/2006/main" xmlns:r="http://schemas.openxmlformats.org/officeDocument/2006/relationships" xmlns:p="http://schemas.openxmlformats.org/presentationml/2006/main">
   <p:cSld>
     <p:spTree>
       <p:nvGrpSpPr>
@@ -4703,7 +4906,14 @@
         <p:cNvGrpSpPr/>
         <p:nvPr/>
       </p:nvGrpSpPr>
-      <p:grpSpPr/>
+      <p:grpSpPr>
+        <a:xfrm>
+          <a:off x="0" y="0"/>
+          <a:ext cx="0" cy="0"/>
+          <a:chOff x="0" y="0"/>
+          <a:chExt cx="0" cy="0"/>
+        </a:xfrm>
+      </p:grpSpPr>
       <p:sp>
         <p:nvSpPr>
           <p:cNvPr id="2" name="Subtitle 1"/>
@@ -4711,7 +4921,7 @@
             <a:spLocks noGrp="1"/>
           </p:cNvSpPr>
           <p:nvPr>
-            <p:ph type="subTitle" idx="1" sz="quarter"/>
+            <p:ph type="subTitle" sz="quarter" idx="1"/>
           </p:nvPr>
         </p:nvSpPr>
         <p:spPr/>
@@ -4724,22 +4934,10 @@
             </a:pPr>
             <a:r>
               <a:t>Model, Prompts, and Parsers
-</a:t>
-            </a:r>
-            <a:r>
-              <a:t>Memory
-</a:t>
-            </a:r>
-            <a:r>
-              <a:t>Chain
-</a:t>
-            </a:r>
-            <a:r>
-              <a:t>QnA
-</a:t>
-            </a:r>
-            <a:r>
-              <a:t>Evaluation
+Memory
+Chain
+QnA
+Evaluation
 </a:t>
             </a:r>
             <a:r>
@@ -4773,9 +4971,6 @@
               </a:rPr>
               <a:t>Functional Conversations</a:t>
             </a:r>
-            <a:endParaRPr sz="4200" b="1" i="0">
-              <a:latin typeface="Times New Roman"/>
-            </a:endParaRPr>
           </a:p>
         </p:txBody>
       </p:sp>
@@ -4821,7 +5016,7 @@
 </file>
 
 <file path=ppt/slides/slide28.xml><?xml version="1.0" encoding="utf-8"?>
-<p:sld xmlns:a="http://schemas.openxmlformats.org/drawingml/2006/main" xmlns:p="http://schemas.openxmlformats.org/presentationml/2006/main" xmlns:r="http://schemas.openxmlformats.org/officeDocument/2006/relationships">
+<p:sld xmlns:a="http://schemas.openxmlformats.org/drawingml/2006/main" xmlns:r="http://schemas.openxmlformats.org/officeDocument/2006/relationships" xmlns:p="http://schemas.openxmlformats.org/presentationml/2006/main">
   <p:cSld>
     <p:spTree>
       <p:nvGrpSpPr>
@@ -4829,7 +5024,14 @@
         <p:cNvGrpSpPr/>
         <p:nvPr/>
       </p:nvGrpSpPr>
-      <p:grpSpPr/>
+      <p:grpSpPr>
+        <a:xfrm>
+          <a:off x="0" y="0"/>
+          <a:ext cx="0" cy="0"/>
+          <a:chOff x="0" y="0"/>
+          <a:chExt cx="0" cy="0"/>
+        </a:xfrm>
+      </p:grpSpPr>
       <p:sp>
         <p:nvSpPr>
           <p:cNvPr id="2" name="Title 1"/>
@@ -4931,7 +5133,7 @@
 </file>
 
 <file path=ppt/slides/slide29.xml><?xml version="1.0" encoding="utf-8"?>
-<p:sld xmlns:a="http://schemas.openxmlformats.org/drawingml/2006/main" xmlns:p="http://schemas.openxmlformats.org/presentationml/2006/main" xmlns:r="http://schemas.openxmlformats.org/officeDocument/2006/relationships">
+<p:sld xmlns:a="http://schemas.openxmlformats.org/drawingml/2006/main" xmlns:r="http://schemas.openxmlformats.org/officeDocument/2006/relationships" xmlns:p="http://schemas.openxmlformats.org/presentationml/2006/main">
   <p:cSld>
     <p:spTree>
       <p:nvGrpSpPr>
@@ -4939,7 +5141,14 @@
         <p:cNvGrpSpPr/>
         <p:nvPr/>
       </p:nvGrpSpPr>
-      <p:grpSpPr/>
+      <p:grpSpPr>
+        <a:xfrm>
+          <a:off x="0" y="0"/>
+          <a:ext cx="0" cy="0"/>
+          <a:chOff x="0" y="0"/>
+          <a:chExt cx="0" cy="0"/>
+        </a:xfrm>
+      </p:grpSpPr>
       <p:sp>
         <p:nvSpPr>
           <p:cNvPr id="2" name="Title 1"/>
@@ -4977,23 +5186,49 @@
           <a:lstStyle/>
           <a:p>
             <a:r>
+              <a:rPr dirty="0"/>
               <a:t> Example:</a:t>
             </a:r>
-          </a:p>
-          <a:p/>
-          <a:p/>
-          <a:p>
-            <a:r>
-              <a:rPr b="1"/>
+            <a:endParaRPr lang="en-US" dirty="0"/>
+          </a:p>
+          <a:p>
+            <a:endParaRPr lang="en-US" dirty="0"/>
+          </a:p>
+          <a:p>
+            <a:endParaRPr lang="en-US" dirty="0"/>
+          </a:p>
+          <a:p>
+            <a:endParaRPr lang="en-US" dirty="0"/>
+          </a:p>
+          <a:p>
+            <a:endParaRPr lang="en-US" dirty="0"/>
+          </a:p>
+          <a:p>
+            <a:endParaRPr lang="en-US" dirty="0"/>
+          </a:p>
+          <a:p>
+            <a:endParaRPr dirty="0"/>
+          </a:p>
+          <a:p>
+            <a:endParaRPr dirty="0"/>
+          </a:p>
+          <a:p>
+            <a:endParaRPr dirty="0"/>
+          </a:p>
+          <a:p>
+            <a:r>
+              <a:rPr b="1" dirty="0"/>
               <a:t> Why this is important</a:t>
             </a:r>
             <a:r>
+              <a:rPr dirty="0"/>
               <a:t> :</a:t>
             </a:r>
           </a:p>
           <a:p>
             <a:pPr lvl="1"/>
             <a:r>
+              <a:rPr dirty="0"/>
               <a:t> Functional components allow AI systems to handle tasks dynamically and flexibly.</a:t>
             </a:r>
           </a:p>
@@ -5048,7 +5283,7 @@
         </p:blipFill>
         <p:spPr>
           <a:xfrm>
-            <a:off x="0" y="1353312"/>
+            <a:off x="14287" y="2069029"/>
             <a:ext cx="8178800" cy="1587500"/>
           </a:xfrm>
           <a:prstGeom prst="rect">
@@ -5065,7 +5300,7 @@
 </file>
 
 <file path=ppt/slides/slide3.xml><?xml version="1.0" encoding="utf-8"?>
-<p:sld xmlns:a="http://schemas.openxmlformats.org/drawingml/2006/main" xmlns:p="http://schemas.openxmlformats.org/presentationml/2006/main" xmlns:r="http://schemas.openxmlformats.org/officeDocument/2006/relationships">
+<p:sld xmlns:a="http://schemas.openxmlformats.org/drawingml/2006/main" xmlns:r="http://schemas.openxmlformats.org/officeDocument/2006/relationships" xmlns:p="http://schemas.openxmlformats.org/presentationml/2006/main">
   <p:cSld>
     <p:spTree>
       <p:nvGrpSpPr>
@@ -5073,7 +5308,14 @@
         <p:cNvGrpSpPr/>
         <p:nvPr/>
       </p:nvGrpSpPr>
-      <p:grpSpPr/>
+      <p:grpSpPr>
+        <a:xfrm>
+          <a:off x="0" y="0"/>
+          <a:ext cx="0" cy="0"/>
+          <a:chOff x="0" y="0"/>
+          <a:chExt cx="0" cy="0"/>
+        </a:xfrm>
+      </p:grpSpPr>
       <p:sp>
         <p:nvSpPr>
           <p:cNvPr id="2" name="Title 1"/>
@@ -5202,7 +5444,7 @@
 </file>
 
 <file path=ppt/slides/slide30.xml><?xml version="1.0" encoding="utf-8"?>
-<p:sld xmlns:a="http://schemas.openxmlformats.org/drawingml/2006/main" xmlns:p="http://schemas.openxmlformats.org/presentationml/2006/main" xmlns:r="http://schemas.openxmlformats.org/officeDocument/2006/relationships">
+<p:sld xmlns:a="http://schemas.openxmlformats.org/drawingml/2006/main" xmlns:r="http://schemas.openxmlformats.org/officeDocument/2006/relationships" xmlns:p="http://schemas.openxmlformats.org/presentationml/2006/main">
   <p:cSld>
     <p:spTree>
       <p:nvGrpSpPr>
@@ -5210,7 +5452,14 @@
         <p:cNvGrpSpPr/>
         <p:nvPr/>
       </p:nvGrpSpPr>
-      <p:grpSpPr/>
+      <p:grpSpPr>
+        <a:xfrm>
+          <a:off x="0" y="0"/>
+          <a:ext cx="0" cy="0"/>
+          <a:chOff x="0" y="0"/>
+          <a:chExt cx="0" cy="0"/>
+        </a:xfrm>
+      </p:grpSpPr>
       <p:sp>
         <p:nvSpPr>
           <p:cNvPr id="2" name="Title 1"/>
@@ -5321,7 +5570,7 @@
 </file>
 
 <file path=ppt/slides/slide4.xml><?xml version="1.0" encoding="utf-8"?>
-<p:sld xmlns:a="http://schemas.openxmlformats.org/drawingml/2006/main" xmlns:p="http://schemas.openxmlformats.org/presentationml/2006/main" xmlns:r="http://schemas.openxmlformats.org/officeDocument/2006/relationships">
+<p:sld xmlns:a="http://schemas.openxmlformats.org/drawingml/2006/main" xmlns:r="http://schemas.openxmlformats.org/officeDocument/2006/relationships" xmlns:p="http://schemas.openxmlformats.org/presentationml/2006/main">
   <p:cSld>
     <p:spTree>
       <p:nvGrpSpPr>
@@ -5329,7 +5578,14 @@
         <p:cNvGrpSpPr/>
         <p:nvPr/>
       </p:nvGrpSpPr>
-      <p:grpSpPr/>
+      <p:grpSpPr>
+        <a:xfrm>
+          <a:off x="0" y="0"/>
+          <a:ext cx="0" cy="0"/>
+          <a:chOff x="0" y="0"/>
+          <a:chExt cx="0" cy="0"/>
+        </a:xfrm>
+      </p:grpSpPr>
       <p:sp>
         <p:nvSpPr>
           <p:cNvPr id="2" name="Title 1"/>
@@ -5367,24 +5623,43 @@
           <a:lstStyle/>
           <a:p>
             <a:r>
+              <a:rPr dirty="0"/>
               <a:t> Import required libraries:</a:t>
             </a:r>
-          </a:p>
-          <a:p/>
-          <a:p/>
-          <a:p/>
-          <a:p>
-            <a:r>
-              <a:rPr b="1"/>
+            <a:endParaRPr lang="en-US" dirty="0"/>
+          </a:p>
+          <a:p>
+            <a:endParaRPr lang="en-US" dirty="0"/>
+          </a:p>
+          <a:p>
+            <a:endParaRPr lang="en-US" dirty="0"/>
+          </a:p>
+          <a:p>
+            <a:endParaRPr dirty="0"/>
+          </a:p>
+          <a:p>
+            <a:endParaRPr dirty="0"/>
+          </a:p>
+          <a:p>
+            <a:endParaRPr dirty="0"/>
+          </a:p>
+          <a:p>
+            <a:endParaRPr dirty="0"/>
+          </a:p>
+          <a:p>
+            <a:r>
+              <a:rPr b="1" dirty="0"/>
               <a:t> Key Insight</a:t>
             </a:r>
             <a:r>
+              <a:rPr dirty="0"/>
               <a:t> :</a:t>
             </a:r>
           </a:p>
           <a:p>
             <a:pPr lvl="1"/>
             <a:r>
+              <a:rPr dirty="0"/>
               <a:t> This setup avoids hardcoding sensitive information like API keys, ensuring security and flexibility.</a:t>
             </a:r>
           </a:p>
@@ -5439,7 +5714,7 @@
         </p:blipFill>
         <p:spPr>
           <a:xfrm>
-            <a:off x="0" y="1353312"/>
+            <a:off x="-4763" y="1786731"/>
             <a:ext cx="8636000" cy="1854200"/>
           </a:xfrm>
           <a:prstGeom prst="rect">
@@ -5456,7 +5731,7 @@
 </file>
 
 <file path=ppt/slides/slide5.xml><?xml version="1.0" encoding="utf-8"?>
-<p:sld xmlns:a="http://schemas.openxmlformats.org/drawingml/2006/main" xmlns:p="http://schemas.openxmlformats.org/presentationml/2006/main" xmlns:r="http://schemas.openxmlformats.org/officeDocument/2006/relationships">
+<p:sld xmlns:a="http://schemas.openxmlformats.org/drawingml/2006/main" xmlns:r="http://schemas.openxmlformats.org/officeDocument/2006/relationships" xmlns:p="http://schemas.openxmlformats.org/presentationml/2006/main">
   <p:cSld>
     <p:spTree>
       <p:nvGrpSpPr>
@@ -5464,7 +5739,14 @@
         <p:cNvGrpSpPr/>
         <p:nvPr/>
       </p:nvGrpSpPr>
-      <p:grpSpPr/>
+      <p:grpSpPr>
+        <a:xfrm>
+          <a:off x="0" y="0"/>
+          <a:ext cx="0" cy="0"/>
+          <a:chOff x="0" y="0"/>
+          <a:chExt cx="0" cy="0"/>
+        </a:xfrm>
+      </p:grpSpPr>
       <p:sp>
         <p:nvSpPr>
           <p:cNvPr id="2" name="Title 1"/>
@@ -5502,30 +5784,53 @@
           <a:lstStyle/>
           <a:p>
             <a:r>
+              <a:rPr dirty="0"/>
               <a:t> Example of a simple prompt:</a:t>
             </a:r>
-          </a:p>
-          <a:p/>
-          <a:p/>
-          <a:p/>
-          <a:p>
-            <a:r>
-              <a:rPr b="1"/>
+            <a:endParaRPr lang="en-US" dirty="0"/>
+          </a:p>
+          <a:p>
+            <a:endParaRPr lang="en-US" dirty="0"/>
+          </a:p>
+          <a:p>
+            <a:endParaRPr lang="en-US" dirty="0"/>
+          </a:p>
+          <a:p>
+            <a:endParaRPr lang="en-US" dirty="0"/>
+          </a:p>
+          <a:p>
+            <a:endParaRPr dirty="0"/>
+          </a:p>
+          <a:p>
+            <a:endParaRPr dirty="0"/>
+          </a:p>
+          <a:p>
+            <a:endParaRPr dirty="0"/>
+          </a:p>
+          <a:p>
+            <a:endParaRPr dirty="0"/>
+          </a:p>
+          <a:p>
+            <a:r>
+              <a:rPr b="1" dirty="0"/>
               <a:t> Key Insight</a:t>
             </a:r>
             <a:r>
+              <a:rPr dirty="0"/>
               <a:t> :</a:t>
             </a:r>
           </a:p>
           <a:p>
             <a:pPr lvl="1"/>
             <a:r>
+              <a:rPr dirty="0"/>
               <a:t> Clear and concise prompts improve the relevance and quality of model responses.</a:t>
             </a:r>
           </a:p>
           <a:p>
             <a:pPr lvl="1"/>
             <a:r>
+              <a:rPr dirty="0"/>
               <a:t> This example demonstrates creative content generation, showcasing OpenAI’s capability for storytelling.</a:t>
             </a:r>
           </a:p>
@@ -5580,8 +5885,8 @@
         </p:blipFill>
         <p:spPr>
           <a:xfrm>
-            <a:off x="0" y="1353312"/>
-            <a:ext cx="10617200" cy="2120900"/>
+            <a:off x="0" y="2035353"/>
+            <a:ext cx="9372600" cy="1872278"/>
           </a:xfrm>
           <a:prstGeom prst="rect">
             <a:avLst/>
@@ -5597,7 +5902,7 @@
 </file>
 
 <file path=ppt/slides/slide6.xml><?xml version="1.0" encoding="utf-8"?>
-<p:sld xmlns:a="http://schemas.openxmlformats.org/drawingml/2006/main" xmlns:p="http://schemas.openxmlformats.org/presentationml/2006/main" xmlns:r="http://schemas.openxmlformats.org/officeDocument/2006/relationships">
+<p:sld xmlns:a="http://schemas.openxmlformats.org/drawingml/2006/main" xmlns:r="http://schemas.openxmlformats.org/officeDocument/2006/relationships" xmlns:p="http://schemas.openxmlformats.org/presentationml/2006/main">
   <p:cSld>
     <p:spTree>
       <p:nvGrpSpPr>
@@ -5605,7 +5910,14 @@
         <p:cNvGrpSpPr/>
         <p:nvPr/>
       </p:nvGrpSpPr>
-      <p:grpSpPr/>
+      <p:grpSpPr>
+        <a:xfrm>
+          <a:off x="0" y="0"/>
+          <a:ext cx="0" cy="0"/>
+          <a:chOff x="0" y="0"/>
+          <a:chExt cx="0" cy="0"/>
+        </a:xfrm>
+      </p:grpSpPr>
       <p:sp>
         <p:nvSpPr>
           <p:cNvPr id="2" name="Title 1"/>
@@ -5643,29 +5955,53 @@
           <a:lstStyle/>
           <a:p>
             <a:r>
+              <a:rPr dirty="0"/>
               <a:t> Parse model outputs for structured results:</a:t>
             </a:r>
-          </a:p>
-          <a:p/>
-          <a:p/>
-          <a:p>
-            <a:r>
-              <a:rPr b="1"/>
+            <a:endParaRPr lang="en-US" dirty="0"/>
+          </a:p>
+          <a:p>
+            <a:endParaRPr lang="en-US" dirty="0"/>
+          </a:p>
+          <a:p>
+            <a:endParaRPr lang="en-US" dirty="0"/>
+          </a:p>
+          <a:p>
+            <a:endParaRPr lang="en-US" dirty="0"/>
+          </a:p>
+          <a:p>
+            <a:endParaRPr lang="en-US" dirty="0"/>
+          </a:p>
+          <a:p>
+            <a:endParaRPr dirty="0"/>
+          </a:p>
+          <a:p>
+            <a:endParaRPr dirty="0"/>
+          </a:p>
+          <a:p>
+            <a:endParaRPr dirty="0"/>
+          </a:p>
+          <a:p>
+            <a:r>
+              <a:rPr b="1" dirty="0"/>
               <a:t> Why Parsers Matter</a:t>
             </a:r>
             <a:r>
+              <a:rPr dirty="0"/>
               <a:t> :</a:t>
             </a:r>
           </a:p>
           <a:p>
             <a:pPr lvl="1"/>
             <a:r>
+              <a:rPr dirty="0"/>
               <a:t> AI outputs are often free-form text; parsers convert them into structured formats like JSON for easier downstream processing.</a:t>
             </a:r>
           </a:p>
           <a:p>
             <a:pPr lvl="1"/>
             <a:r>
+              <a:rPr dirty="0"/>
               <a:t> Parsing enhances automation and usability, especially in workflows requiring integration with databases or analytics.</a:t>
             </a:r>
           </a:p>
@@ -5720,7 +6056,7 @@
         </p:blipFill>
         <p:spPr>
           <a:xfrm>
-            <a:off x="0" y="1353312"/>
+            <a:off x="0" y="2069029"/>
             <a:ext cx="7569200" cy="1587500"/>
           </a:xfrm>
           <a:prstGeom prst="rect">
@@ -5737,7 +6073,7 @@
 </file>
 
 <file path=ppt/slides/slide7.xml><?xml version="1.0" encoding="utf-8"?>
-<p:sld xmlns:a="http://schemas.openxmlformats.org/drawingml/2006/main" xmlns:p="http://schemas.openxmlformats.org/presentationml/2006/main" xmlns:r="http://schemas.openxmlformats.org/officeDocument/2006/relationships">
+<p:sld xmlns:a="http://schemas.openxmlformats.org/drawingml/2006/main" xmlns:r="http://schemas.openxmlformats.org/officeDocument/2006/relationships" xmlns:p="http://schemas.openxmlformats.org/presentationml/2006/main">
   <p:cSld>
     <p:spTree>
       <p:nvGrpSpPr>
@@ -5745,7 +6081,14 @@
         <p:cNvGrpSpPr/>
         <p:nvPr/>
       </p:nvGrpSpPr>
-      <p:grpSpPr/>
+      <p:grpSpPr>
+        <a:xfrm>
+          <a:off x="0" y="0"/>
+          <a:ext cx="0" cy="0"/>
+          <a:chOff x="0" y="0"/>
+          <a:chExt cx="0" cy="0"/>
+        </a:xfrm>
+      </p:grpSpPr>
       <p:sp>
         <p:nvSpPr>
           <p:cNvPr id="2" name="Title 1"/>
@@ -5783,24 +6126,49 @@
           <a:lstStyle/>
           <a:p>
             <a:r>
+              <a:rPr dirty="0"/>
               <a:t> Example workflow:</a:t>
             </a:r>
-          </a:p>
-          <a:p/>
-          <a:p/>
-          <a:p/>
-          <a:p>
-            <a:r>
-              <a:rPr b="1"/>
+            <a:endParaRPr lang="en-US" dirty="0"/>
+          </a:p>
+          <a:p>
+            <a:endParaRPr lang="en-US" dirty="0"/>
+          </a:p>
+          <a:p>
+            <a:endParaRPr lang="en-US" dirty="0"/>
+          </a:p>
+          <a:p>
+            <a:endParaRPr lang="en-US" dirty="0"/>
+          </a:p>
+          <a:p>
+            <a:endParaRPr lang="en-US" dirty="0"/>
+          </a:p>
+          <a:p>
+            <a:endParaRPr dirty="0"/>
+          </a:p>
+          <a:p>
+            <a:endParaRPr dirty="0"/>
+          </a:p>
+          <a:p>
+            <a:endParaRPr dirty="0"/>
+          </a:p>
+          <a:p>
+            <a:endParaRPr dirty="0"/>
+          </a:p>
+          <a:p>
+            <a:r>
+              <a:rPr b="1" dirty="0"/>
               <a:t> What this does</a:t>
             </a:r>
             <a:r>
+              <a:rPr dirty="0"/>
               <a:t> :</a:t>
             </a:r>
           </a:p>
           <a:p>
             <a:pPr lvl="1"/>
             <a:r>
+              <a:rPr dirty="0"/>
               <a:t> This combination allows seamless interaction between natural language prompts and structured outputs, bridging the gap between human-readable and machine-readable formats.</a:t>
             </a:r>
           </a:p>
@@ -5855,7 +6223,7 @@
         </p:blipFill>
         <p:spPr>
           <a:xfrm>
-            <a:off x="0" y="1353312"/>
+            <a:off x="-4763" y="2167731"/>
             <a:ext cx="8915400" cy="1753238"/>
           </a:xfrm>
           <a:prstGeom prst="rect">
@@ -5872,7 +6240,7 @@
 </file>
 
 <file path=ppt/slides/slide8.xml><?xml version="1.0" encoding="utf-8"?>
-<p:sld xmlns:a="http://schemas.openxmlformats.org/drawingml/2006/main" xmlns:p="http://schemas.openxmlformats.org/presentationml/2006/main" xmlns:r="http://schemas.openxmlformats.org/officeDocument/2006/relationships">
+<p:sld xmlns:a="http://schemas.openxmlformats.org/drawingml/2006/main" xmlns:r="http://schemas.openxmlformats.org/officeDocument/2006/relationships" xmlns:p="http://schemas.openxmlformats.org/presentationml/2006/main">
   <p:cSld>
     <p:spTree>
       <p:nvGrpSpPr>
@@ -5880,7 +6248,14 @@
         <p:cNvGrpSpPr/>
         <p:nvPr/>
       </p:nvGrpSpPr>
-      <p:grpSpPr/>
+      <p:grpSpPr>
+        <a:xfrm>
+          <a:off x="0" y="0"/>
+          <a:ext cx="0" cy="0"/>
+          <a:chOff x="0" y="0"/>
+          <a:chExt cx="0" cy="0"/>
+        </a:xfrm>
+      </p:grpSpPr>
       <p:sp>
         <p:nvSpPr>
           <p:cNvPr id="2" name="Title 1"/>
@@ -5997,7 +6372,7 @@
 </file>
 
 <file path=ppt/slides/slide9.xml><?xml version="1.0" encoding="utf-8"?>
-<p:sld xmlns:a="http://schemas.openxmlformats.org/drawingml/2006/main" xmlns:p="http://schemas.openxmlformats.org/presentationml/2006/main" xmlns:r="http://schemas.openxmlformats.org/officeDocument/2006/relationships">
+<p:sld xmlns:a="http://schemas.openxmlformats.org/drawingml/2006/main" xmlns:r="http://schemas.openxmlformats.org/officeDocument/2006/relationships" xmlns:p="http://schemas.openxmlformats.org/presentationml/2006/main">
   <p:cSld>
     <p:spTree>
       <p:nvGrpSpPr>
@@ -6005,7 +6380,14 @@
         <p:cNvGrpSpPr/>
         <p:nvPr/>
       </p:nvGrpSpPr>
-      <p:grpSpPr/>
+      <p:grpSpPr>
+        <a:xfrm>
+          <a:off x="0" y="0"/>
+          <a:ext cx="0" cy="0"/>
+          <a:chOff x="0" y="0"/>
+          <a:chExt cx="0" cy="0"/>
+        </a:xfrm>
+      </p:grpSpPr>
       <p:sp>
         <p:nvSpPr>
           <p:cNvPr id="2" name="Subtitle 1"/>
@@ -6013,7 +6395,7 @@
             <a:spLocks noGrp="1"/>
           </p:cNvSpPr>
           <p:nvPr>
-            <p:ph type="subTitle" idx="1" sz="quarter"/>
+            <p:ph type="subTitle" sz="quarter" idx="1"/>
           </p:nvPr>
         </p:nvSpPr>
         <p:spPr/>
@@ -6035,18 +6417,9 @@
             </a:r>
             <a:r>
               <a:t>Chain
-</a:t>
-            </a:r>
-            <a:r>
-              <a:t>QnA
-</a:t>
-            </a:r>
-            <a:r>
-              <a:t>Evaluation
-</a:t>
-            </a:r>
-            <a:r>
-              <a:t>Functional Conversations
+QnA
+Evaluation
+Functional Conversations
 </a:t>
             </a:r>
           </a:p>
@@ -6075,9 +6448,6 @@
               </a:rPr>
               <a:t>Memory</a:t>
             </a:r>
-            <a:endParaRPr sz="4200" b="1" i="0">
-              <a:latin typeface="Times New Roman"/>
-            </a:endParaRPr>
           </a:p>
         </p:txBody>
       </p:sp>
